--- a/Intrerview Presentation.pptx
+++ b/Intrerview Presentation.pptx
@@ -3980,7 +3980,7 @@
                   <a:schemeClr val="bg1"/>
                 </a:solidFill>
               </a:rPr>
-              <a:t>Only Maximum danger came from Lowest Income</a:t>
+              <a:t>Intuitive conclusion</a:t>
             </a:r>
           </a:p>
           <a:p>
@@ -4305,7 +4305,7 @@
                   <a:schemeClr val="bg1"/>
                 </a:solidFill>
               </a:rPr>
-              <a:t>Not as strong of a correlation</a:t>
+              <a:t>Less significant correlation</a:t>
             </a:r>
           </a:p>
           <a:p>
@@ -4454,17 +4454,23 @@
                   <a:srgbClr val="404040"/>
                 </a:solidFill>
               </a:rPr>
-              <a:t>Income can be a large factor in overall individual health. (Food/Transportation/Housing)</a:t>
-            </a:r>
-          </a:p>
-          <a:p>
+              <a:t>Income can </a:t>
+            </a:r>
+            <a:r>
+              <a:rPr lang="en-US">
+                <a:solidFill>
+                  <a:srgbClr val="404040"/>
+                </a:solidFill>
+              </a:rPr>
+              <a:t>be a </a:t>
+            </a:r>
             <a:r>
               <a:rPr lang="en-US" dirty="0">
                 <a:solidFill>
                   <a:srgbClr val="404040"/>
                 </a:solidFill>
               </a:rPr>
-              <a:t>Income relative to County Blocks</a:t>
+              <a:t>factor in overall individual health. (Food/Transportation/Housing)</a:t>
             </a:r>
           </a:p>
           <a:p>
@@ -4474,7 +4480,7 @@
                   <a:srgbClr val="404040"/>
                 </a:solidFill>
               </a:rPr>
-              <a:t>Identify low income populations to better target social services</a:t>
+              <a:t>Identify low income populations to better employ social services</a:t>
             </a:r>
           </a:p>
         </p:txBody>
@@ -4585,25 +4591,33 @@
           <a:p>
             <a:pPr lvl="2"/>
             <a:r>
-              <a:rPr lang="en-US" sz="2000" dirty="0"/>
+              <a:rPr lang="en-US" sz="1700" dirty="0"/>
               <a:t>Ggplot2</a:t>
             </a:r>
           </a:p>
           <a:p>
             <a:pPr lvl="2"/>
             <a:r>
-              <a:rPr lang="en-US" sz="2000" dirty="0" err="1"/>
+              <a:rPr lang="en-US" sz="1700" dirty="0" err="1"/>
+              <a:t>Tidyverse</a:t>
+            </a:r>
+            <a:endParaRPr lang="en-US" sz="1700" dirty="0"/>
+          </a:p>
+          <a:p>
+            <a:pPr lvl="2"/>
+            <a:r>
+              <a:rPr lang="en-US" sz="1700" dirty="0" err="1"/>
               <a:t>Dplyr</a:t>
             </a:r>
-            <a:endParaRPr lang="en-US" sz="2000" dirty="0"/>
+            <a:endParaRPr lang="en-US" sz="1700" dirty="0"/>
           </a:p>
           <a:p>
             <a:pPr lvl="2"/>
             <a:r>
-              <a:rPr lang="en-US" sz="2000" dirty="0" err="1"/>
+              <a:rPr lang="en-US" sz="1700" dirty="0" err="1"/>
               <a:t>Knitr</a:t>
             </a:r>
-            <a:endParaRPr lang="en-US" sz="2000" dirty="0"/>
+            <a:endParaRPr lang="en-US" sz="1700" dirty="0"/>
           </a:p>
           <a:p>
             <a:pPr lvl="1"/>
@@ -4639,7 +4653,7 @@
         </p:spPr>
         <p:txBody>
           <a:bodyPr vert="horz" lIns="91440" tIns="45720" rIns="91440" bIns="45720" rtlCol="0">
-            <a:normAutofit fontScale="85000" lnSpcReduction="10000"/>
+            <a:normAutofit fontScale="85000" lnSpcReduction="20000"/>
           </a:bodyPr>
           <a:lstStyle>
             <a:lvl1pPr marL="228600" indent="-228600" algn="l" defTabSz="914400" rtl="0" eaLnBrk="1" latinLnBrk="0" hangingPunct="1">
@@ -4856,35 +4870,28 @@
           <a:p>
             <a:pPr lvl="1"/>
             <a:r>
-              <a:rPr lang="en-US" sz="2000" dirty="0"/>
-              <a:t>Instructions.docx</a:t>
+              <a:rPr lang="en-US" sz="1800" dirty="0"/>
+              <a:t>Interview_data.csv (Raw Data)</a:t>
             </a:r>
           </a:p>
           <a:p>
             <a:pPr lvl="1"/>
             <a:r>
-              <a:rPr lang="en-US" sz="2000" dirty="0"/>
-              <a:t>Interview_data.csv</a:t>
+              <a:rPr lang="en-US" sz="1800" dirty="0"/>
+              <a:t>Interview_data_dict.csv (Data Dictionary)</a:t>
             </a:r>
           </a:p>
           <a:p>
             <a:pPr lvl="1"/>
             <a:r>
-              <a:rPr lang="en-US" sz="2000" dirty="0"/>
-              <a:t>Interview_data_dict.csv</a:t>
+              <a:rPr lang="en-US" sz="1800" dirty="0"/>
+              <a:t>Accountable Health Communities Model Screening Tool.docx (Survey)</a:t>
             </a:r>
           </a:p>
           <a:p>
             <a:pPr lvl="1"/>
             <a:r>
-              <a:rPr lang="en-US" sz="2000" dirty="0"/>
-              <a:t>Accountable Health Communities Model Screening Tool.docx</a:t>
-            </a:r>
-          </a:p>
-          <a:p>
-            <a:pPr lvl="1"/>
-            <a:r>
-              <a:rPr lang="en-US" sz="2000" dirty="0"/>
+              <a:rPr lang="en-US" sz="1800" dirty="0"/>
               <a:t>www.Census.gov (Mesa County Population estimates)</a:t>
             </a:r>
           </a:p>
@@ -4992,28 +4999,9 @@
             </a:r>
           </a:p>
           <a:p>
-            <a:pPr lvl="1"/>
-            <a:r>
-              <a:rPr lang="en-US" dirty="0" err="1"/>
-              <a:t>Rmarkdown</a:t>
-            </a:r>
             <a:r>
               <a:rPr lang="en-US" dirty="0"/>
-              <a:t> link</a:t>
-            </a:r>
-          </a:p>
-          <a:p>
-            <a:r>
-              <a:rPr lang="en-US" dirty="0"/>
-              <a:t>Download or view all code at [</a:t>
-            </a:r>
-            <a:r>
-              <a:rPr lang="en-US" dirty="0" err="1"/>
-              <a:t>github</a:t>
-            </a:r>
-            <a:r>
-              <a:rPr lang="en-US" dirty="0"/>
-              <a:t> link]</a:t>
+              <a:t>Download or view all code at https://github.com/kurtisbu/Mesa-County-Data</a:t>
             </a:r>
           </a:p>
         </p:txBody>
@@ -5423,13 +5411,13 @@
           <a:p>
             <a:r>
               <a:rPr lang="en-US" dirty="0"/>
-              <a:t>Representation of Race Survey vs. County</a:t>
+              <a:t>Representation of Race Survey vs. County.</a:t>
             </a:r>
           </a:p>
           <a:p>
             <a:r>
               <a:rPr lang="en-US" dirty="0"/>
-              <a:t>Loneliness vs. Social Conflict</a:t>
+              <a:t>Loneliness vs. Social Conflict:</a:t>
             </a:r>
           </a:p>
           <a:p>
@@ -5449,13 +5437,13 @@
           <a:p>
             <a:r>
               <a:rPr lang="en-US" dirty="0"/>
-              <a:t>Household Income vs. Household Danger</a:t>
+              <a:t>Household Income vs. Household Danger.</a:t>
             </a:r>
           </a:p>
           <a:p>
             <a:r>
               <a:rPr lang="en-US" dirty="0"/>
-              <a:t>Household Income vs. Social Conflict</a:t>
+              <a:t>Household Income vs. Social Conflict.</a:t>
             </a:r>
           </a:p>
         </p:txBody>
@@ -5703,14 +5691,14 @@
             <a:pPr lvl="1"/>
             <a:r>
               <a:rPr lang="en-US" dirty="0"/>
-              <a:t>Possible continued observations </a:t>
+              <a:t>Possible continued observations. </a:t>
             </a:r>
           </a:p>
           <a:p>
             <a:pPr lvl="1"/>
             <a:r>
               <a:rPr lang="en-US" dirty="0"/>
-              <a:t>How this information can be used for action</a:t>
+              <a:t>How this information can be used for future action.</a:t>
             </a:r>
           </a:p>
         </p:txBody>
@@ -6735,17 +6723,7 @@
                   <a:srgbClr val="404040"/>
                 </a:solidFill>
               </a:rPr>
-              <a:t>Minorities in the community.</a:t>
-            </a:r>
-          </a:p>
-          <a:p>
-            <a:r>
-              <a:rPr lang="en-US" dirty="0">
-                <a:solidFill>
-                  <a:srgbClr val="404040"/>
-                </a:solidFill>
-              </a:rPr>
-              <a:t>Compare diversity in Mesa County to other Colorado counties.</a:t>
+              <a:t>Educate the public on minorities in the community.</a:t>
             </a:r>
           </a:p>
           <a:p>
@@ -6756,6 +6734,16 @@
                 </a:solidFill>
               </a:rPr>
               <a:t>How does the diversity of CMU compare to the rest of the County?</a:t>
+            </a:r>
+          </a:p>
+          <a:p>
+            <a:r>
+              <a:rPr lang="en-US" dirty="0">
+                <a:solidFill>
+                  <a:srgbClr val="404040"/>
+                </a:solidFill>
+              </a:rPr>
+              <a:t>How does diversity in Mesa County compare to other Colorado counties?</a:t>
             </a:r>
           </a:p>
         </p:txBody>
@@ -6852,13 +6840,17 @@
           <a:p>
             <a:r>
               <a:rPr lang="en-US" dirty="0"/>
-              <a:t>Loneliness is reported by Supplemental Need Family &amp; Community Support Answer</a:t>
+              <a:t>Loneliness is reported by </a:t>
+            </a:r>
+            <a:r>
+              <a:rPr lang="en-US" u="sng" dirty="0"/>
+              <a:t>Supplemental Need Family &amp; Community Support Question.</a:t>
             </a:r>
           </a:p>
           <a:p>
             <a:r>
               <a:rPr lang="en-US" dirty="0"/>
-              <a:t>Loneliness is measured on a scale of 0-4</a:t>
+              <a:t>Loneliness is measured on the following scale:</a:t>
             </a:r>
           </a:p>
           <a:p>
@@ -7140,13 +7132,17 @@
           <a:p>
             <a:r>
               <a:rPr lang="en-US" dirty="0"/>
-              <a:t>Social Discourse is measured out of a total of 16 by adding all of the Core Need Safety answers 1-4</a:t>
-            </a:r>
-          </a:p>
-          <a:p>
-            <a:r>
-              <a:rPr lang="en-US" i="1" dirty="0"/>
-              <a:t>CN_SF_1-4 are measured by the following</a:t>
+              <a:t>Social Conflict is measured out of a total of 16 by adding all of the </a:t>
+            </a:r>
+            <a:r>
+              <a:rPr lang="en-US" u="sng" dirty="0"/>
+              <a:t>Core Need Safety Questions: 1-4.</a:t>
+            </a:r>
+          </a:p>
+          <a:p>
+            <a:r>
+              <a:rPr lang="en-US" dirty="0"/>
+              <a:t>CN_SF_1-4 are measured by the following scale:</a:t>
             </a:r>
           </a:p>
           <a:p>
@@ -8128,7 +8124,7 @@
                   <a:srgbClr val="404040"/>
                 </a:solidFill>
               </a:rPr>
-              <a:t>Can Machine learning be applied to accurately predict loneliness in individuals?</a:t>
+              <a:t>Can machine learning techniques be applied to accurately predict loneliness in individuals?</a:t>
             </a:r>
           </a:p>
           <a:p>
@@ -8228,7 +8224,11 @@
           <a:p>
             <a:r>
               <a:rPr lang="en-US" dirty="0"/>
-              <a:t>Household Danger measured by Core Need Living Situation answer 2</a:t>
+              <a:t>Household Danger measured by </a:t>
+            </a:r>
+            <a:r>
+              <a:rPr lang="en-US" u="sng" dirty="0"/>
+              <a:t>Core Need Living Situation: Question 2</a:t>
             </a:r>
           </a:p>
           <a:p>
@@ -8269,14 +8269,14 @@
             <a:pPr lvl="1"/>
             <a:r>
               <a:rPr lang="en-US" i="1" dirty="0"/>
-              <a:t>Oven not Working</a:t>
+              <a:t>Oven (not Working)</a:t>
             </a:r>
           </a:p>
           <a:p>
             <a:pPr lvl="1"/>
             <a:r>
               <a:rPr lang="en-US" i="1" dirty="0"/>
-              <a:t>Smoke Detector not Working</a:t>
+              <a:t>Smoke Detector (not Working)</a:t>
             </a:r>
           </a:p>
           <a:p>
@@ -8528,11 +8528,11 @@
           <a:p>
             <a:r>
               <a:rPr lang="en-US" dirty="0"/>
-              <a:t>Income reported by “Tell me about yourself Answer 6” </a:t>
-            </a:r>
-            <a:r>
-              <a:rPr lang="en-US" i="1" dirty="0"/>
-              <a:t>TM_6</a:t>
+              <a:t>Income reported by </a:t>
+            </a:r>
+            <a:r>
+              <a:rPr lang="en-US" u="sng" dirty="0"/>
+              <a:t>Tell Me About Yourself: Question 6</a:t>
             </a:r>
           </a:p>
           <a:p>

--- a/Intrerview Presentation.pptx
+++ b/Intrerview Presentation.pptx
@@ -476,6 +476,1299 @@
     </a:lvl9pPr>
   </p:notesStyle>
 </p:notesMaster>
+</file>
+
+<file path=ppt/notesSlides/notesSlide1.xml><?xml version="1.0" encoding="utf-8"?>
+<p:notes xmlns:a="http://schemas.openxmlformats.org/drawingml/2006/main" xmlns:r="http://schemas.openxmlformats.org/officeDocument/2006/relationships" xmlns:p="http://schemas.openxmlformats.org/presentationml/2006/main">
+  <p:cSld>
+    <p:spTree>
+      <p:nvGrpSpPr>
+        <p:cNvPr id="1" name=""/>
+        <p:cNvGrpSpPr/>
+        <p:nvPr/>
+      </p:nvGrpSpPr>
+      <p:grpSpPr>
+        <a:xfrm>
+          <a:off x="0" y="0"/>
+          <a:ext cx="0" cy="0"/>
+          <a:chOff x="0" y="0"/>
+          <a:chExt cx="0" cy="0"/>
+        </a:xfrm>
+      </p:grpSpPr>
+      <p:sp>
+        <p:nvSpPr>
+          <p:cNvPr id="2" name="Slide Image Placeholder 1"/>
+          <p:cNvSpPr>
+            <a:spLocks noGrp="1" noRot="1" noChangeAspect="1"/>
+          </p:cNvSpPr>
+          <p:nvPr>
+            <p:ph type="sldImg"/>
+          </p:nvPr>
+        </p:nvSpPr>
+        <p:spPr/>
+      </p:sp>
+      <p:sp>
+        <p:nvSpPr>
+          <p:cNvPr id="3" name="Notes Placeholder 2"/>
+          <p:cNvSpPr>
+            <a:spLocks noGrp="1"/>
+          </p:cNvSpPr>
+          <p:nvPr>
+            <p:ph type="body" idx="1"/>
+          </p:nvPr>
+        </p:nvSpPr>
+        <p:spPr/>
+        <p:txBody>
+          <a:bodyPr/>
+          <a:lstStyle/>
+          <a:p>
+            <a:r>
+              <a:rPr lang="en-US" dirty="0"/>
+              <a:t>4 observations </a:t>
+            </a:r>
+          </a:p>
+          <a:p>
+            <a:r>
+              <a:rPr lang="en-US" dirty="0"/>
+              <a:t>And possible Future work</a:t>
+            </a:r>
+          </a:p>
+        </p:txBody>
+      </p:sp>
+      <p:sp>
+        <p:nvSpPr>
+          <p:cNvPr id="4" name="Slide Number Placeholder 3"/>
+          <p:cNvSpPr>
+            <a:spLocks noGrp="1"/>
+          </p:cNvSpPr>
+          <p:nvPr>
+            <p:ph type="sldNum" sz="quarter" idx="5"/>
+          </p:nvPr>
+        </p:nvSpPr>
+        <p:spPr/>
+        <p:txBody>
+          <a:bodyPr/>
+          <a:lstStyle/>
+          <a:p>
+            <a:fld id="{CE36C95E-5F68-4CB4-BD29-BE9447954CDF}" type="slidenum">
+              <a:rPr lang="en-US" smtClean="0"/>
+              <a:t>2</a:t>
+            </a:fld>
+            <a:endParaRPr lang="en-US"/>
+          </a:p>
+        </p:txBody>
+      </p:sp>
+    </p:spTree>
+    <p:extLst>
+      <p:ext uri="{BB962C8B-B14F-4D97-AF65-F5344CB8AC3E}">
+        <p14:creationId xmlns:p14="http://schemas.microsoft.com/office/powerpoint/2010/main" val="611313976"/>
+      </p:ext>
+    </p:extLst>
+  </p:cSld>
+  <p:clrMapOvr>
+    <a:masterClrMapping/>
+  </p:clrMapOvr>
+</p:notes>
+</file>
+
+<file path=ppt/notesSlides/notesSlide10.xml><?xml version="1.0" encoding="utf-8"?>
+<p:notes xmlns:a="http://schemas.openxmlformats.org/drawingml/2006/main" xmlns:r="http://schemas.openxmlformats.org/officeDocument/2006/relationships" xmlns:p="http://schemas.openxmlformats.org/presentationml/2006/main">
+  <p:cSld>
+    <p:spTree>
+      <p:nvGrpSpPr>
+        <p:cNvPr id="1" name=""/>
+        <p:cNvGrpSpPr/>
+        <p:nvPr/>
+      </p:nvGrpSpPr>
+      <p:grpSpPr>
+        <a:xfrm>
+          <a:off x="0" y="0"/>
+          <a:ext cx="0" cy="0"/>
+          <a:chOff x="0" y="0"/>
+          <a:chExt cx="0" cy="0"/>
+        </a:xfrm>
+      </p:grpSpPr>
+      <p:sp>
+        <p:nvSpPr>
+          <p:cNvPr id="2" name="Slide Image Placeholder 1"/>
+          <p:cNvSpPr>
+            <a:spLocks noGrp="1" noRot="1" noChangeAspect="1"/>
+          </p:cNvSpPr>
+          <p:nvPr>
+            <p:ph type="sldImg"/>
+          </p:nvPr>
+        </p:nvSpPr>
+        <p:spPr/>
+      </p:sp>
+      <p:sp>
+        <p:nvSpPr>
+          <p:cNvPr id="3" name="Notes Placeholder 2"/>
+          <p:cNvSpPr>
+            <a:spLocks noGrp="1"/>
+          </p:cNvSpPr>
+          <p:nvPr>
+            <p:ph type="body" idx="1"/>
+          </p:nvPr>
+        </p:nvSpPr>
+        <p:spPr/>
+        <p:txBody>
+          <a:bodyPr/>
+          <a:lstStyle/>
+          <a:p>
+            <a:r>
+              <a:rPr lang="en-US" dirty="0"/>
+              <a:t>I wanted to see if income had any affect on social Conflict </a:t>
+            </a:r>
+          </a:p>
+          <a:p>
+            <a:endParaRPr lang="en-US" dirty="0"/>
+          </a:p>
+          <a:p>
+            <a:r>
+              <a:rPr lang="en-US" dirty="0"/>
+              <a:t>More money appears to lead to less conflict, however it is much less significant than household danger</a:t>
+            </a:r>
+          </a:p>
+        </p:txBody>
+      </p:sp>
+      <p:sp>
+        <p:nvSpPr>
+          <p:cNvPr id="4" name="Slide Number Placeholder 3"/>
+          <p:cNvSpPr>
+            <a:spLocks noGrp="1"/>
+          </p:cNvSpPr>
+          <p:nvPr>
+            <p:ph type="sldNum" sz="quarter" idx="5"/>
+          </p:nvPr>
+        </p:nvSpPr>
+        <p:spPr/>
+        <p:txBody>
+          <a:bodyPr/>
+          <a:lstStyle/>
+          <a:p>
+            <a:fld id="{CE36C95E-5F68-4CB4-BD29-BE9447954CDF}" type="slidenum">
+              <a:rPr lang="en-US" smtClean="0"/>
+              <a:t>11</a:t>
+            </a:fld>
+            <a:endParaRPr lang="en-US"/>
+          </a:p>
+        </p:txBody>
+      </p:sp>
+    </p:spTree>
+    <p:extLst>
+      <p:ext uri="{BB962C8B-B14F-4D97-AF65-F5344CB8AC3E}">
+        <p14:creationId xmlns:p14="http://schemas.microsoft.com/office/powerpoint/2010/main" val="1467245627"/>
+      </p:ext>
+    </p:extLst>
+  </p:cSld>
+  <p:clrMapOvr>
+    <a:masterClrMapping/>
+  </p:clrMapOvr>
+</p:notes>
+</file>
+
+<file path=ppt/notesSlides/notesSlide11.xml><?xml version="1.0" encoding="utf-8"?>
+<p:notes xmlns:a="http://schemas.openxmlformats.org/drawingml/2006/main" xmlns:r="http://schemas.openxmlformats.org/officeDocument/2006/relationships" xmlns:p="http://schemas.openxmlformats.org/presentationml/2006/main">
+  <p:cSld>
+    <p:spTree>
+      <p:nvGrpSpPr>
+        <p:cNvPr id="1" name=""/>
+        <p:cNvGrpSpPr/>
+        <p:nvPr/>
+      </p:nvGrpSpPr>
+      <p:grpSpPr>
+        <a:xfrm>
+          <a:off x="0" y="0"/>
+          <a:ext cx="0" cy="0"/>
+          <a:chOff x="0" y="0"/>
+          <a:chExt cx="0" cy="0"/>
+        </a:xfrm>
+      </p:grpSpPr>
+      <p:sp>
+        <p:nvSpPr>
+          <p:cNvPr id="2" name="Slide Image Placeholder 1"/>
+          <p:cNvSpPr>
+            <a:spLocks noGrp="1" noRot="1" noChangeAspect="1"/>
+          </p:cNvSpPr>
+          <p:nvPr>
+            <p:ph type="sldImg"/>
+          </p:nvPr>
+        </p:nvSpPr>
+        <p:spPr/>
+      </p:sp>
+      <p:sp>
+        <p:nvSpPr>
+          <p:cNvPr id="3" name="Notes Placeholder 2"/>
+          <p:cNvSpPr>
+            <a:spLocks noGrp="1"/>
+          </p:cNvSpPr>
+          <p:nvPr>
+            <p:ph type="body" idx="1"/>
+          </p:nvPr>
+        </p:nvSpPr>
+        <p:spPr/>
+        <p:txBody>
+          <a:bodyPr/>
+          <a:lstStyle/>
+          <a:p>
+            <a:r>
+              <a:rPr lang="en-US" dirty="0"/>
+              <a:t>Income could be a factor in the health of the individual. Low income populations will likely struggle more with Core needs like food transportation or housing</a:t>
+            </a:r>
+          </a:p>
+          <a:p>
+            <a:endParaRPr lang="en-US" dirty="0"/>
+          </a:p>
+          <a:p>
+            <a:r>
+              <a:rPr lang="en-US" dirty="0"/>
+              <a:t>If we could better identify low income populations, it might allow us to employ needed social services more effectively</a:t>
+            </a:r>
+          </a:p>
+        </p:txBody>
+      </p:sp>
+      <p:sp>
+        <p:nvSpPr>
+          <p:cNvPr id="4" name="Slide Number Placeholder 3"/>
+          <p:cNvSpPr>
+            <a:spLocks noGrp="1"/>
+          </p:cNvSpPr>
+          <p:nvPr>
+            <p:ph type="sldNum" sz="quarter" idx="5"/>
+          </p:nvPr>
+        </p:nvSpPr>
+        <p:spPr/>
+        <p:txBody>
+          <a:bodyPr/>
+          <a:lstStyle/>
+          <a:p>
+            <a:fld id="{CE36C95E-5F68-4CB4-BD29-BE9447954CDF}" type="slidenum">
+              <a:rPr lang="en-US" smtClean="0"/>
+              <a:t>12</a:t>
+            </a:fld>
+            <a:endParaRPr lang="en-US"/>
+          </a:p>
+        </p:txBody>
+      </p:sp>
+    </p:spTree>
+    <p:extLst>
+      <p:ext uri="{BB962C8B-B14F-4D97-AF65-F5344CB8AC3E}">
+        <p14:creationId xmlns:p14="http://schemas.microsoft.com/office/powerpoint/2010/main" val="3763608937"/>
+      </p:ext>
+    </p:extLst>
+  </p:cSld>
+  <p:clrMapOvr>
+    <a:masterClrMapping/>
+  </p:clrMapOvr>
+</p:notes>
+</file>
+
+<file path=ppt/notesSlides/notesSlide12.xml><?xml version="1.0" encoding="utf-8"?>
+<p:notes xmlns:a="http://schemas.openxmlformats.org/drawingml/2006/main" xmlns:r="http://schemas.openxmlformats.org/officeDocument/2006/relationships" xmlns:p="http://schemas.openxmlformats.org/presentationml/2006/main">
+  <p:cSld>
+    <p:spTree>
+      <p:nvGrpSpPr>
+        <p:cNvPr id="1" name=""/>
+        <p:cNvGrpSpPr/>
+        <p:nvPr/>
+      </p:nvGrpSpPr>
+      <p:grpSpPr>
+        <a:xfrm>
+          <a:off x="0" y="0"/>
+          <a:ext cx="0" cy="0"/>
+          <a:chOff x="0" y="0"/>
+          <a:chExt cx="0" cy="0"/>
+        </a:xfrm>
+      </p:grpSpPr>
+      <p:sp>
+        <p:nvSpPr>
+          <p:cNvPr id="2" name="Slide Image Placeholder 1"/>
+          <p:cNvSpPr>
+            <a:spLocks noGrp="1" noRot="1" noChangeAspect="1"/>
+          </p:cNvSpPr>
+          <p:nvPr>
+            <p:ph type="sldImg"/>
+          </p:nvPr>
+        </p:nvSpPr>
+        <p:spPr/>
+      </p:sp>
+      <p:sp>
+        <p:nvSpPr>
+          <p:cNvPr id="3" name="Notes Placeholder 2"/>
+          <p:cNvSpPr>
+            <a:spLocks noGrp="1"/>
+          </p:cNvSpPr>
+          <p:nvPr>
+            <p:ph type="body" idx="1"/>
+          </p:nvPr>
+        </p:nvSpPr>
+        <p:spPr/>
+        <p:txBody>
+          <a:bodyPr/>
+          <a:lstStyle/>
+          <a:p>
+            <a:r>
+              <a:rPr lang="en-US" dirty="0"/>
+              <a:t>Tools and Packages</a:t>
+            </a:r>
+          </a:p>
+          <a:p>
+            <a:endParaRPr lang="en-US" dirty="0"/>
+          </a:p>
+          <a:p>
+            <a:r>
+              <a:rPr lang="en-US" dirty="0"/>
+              <a:t>How each resource helped this presentation</a:t>
+            </a:r>
+          </a:p>
+          <a:p>
+            <a:endParaRPr lang="en-US" dirty="0"/>
+          </a:p>
+        </p:txBody>
+      </p:sp>
+      <p:sp>
+        <p:nvSpPr>
+          <p:cNvPr id="4" name="Slide Number Placeholder 3"/>
+          <p:cNvSpPr>
+            <a:spLocks noGrp="1"/>
+          </p:cNvSpPr>
+          <p:nvPr>
+            <p:ph type="sldNum" sz="quarter" idx="5"/>
+          </p:nvPr>
+        </p:nvSpPr>
+        <p:spPr/>
+        <p:txBody>
+          <a:bodyPr/>
+          <a:lstStyle/>
+          <a:p>
+            <a:fld id="{CE36C95E-5F68-4CB4-BD29-BE9447954CDF}" type="slidenum">
+              <a:rPr lang="en-US" smtClean="0"/>
+              <a:t>13</a:t>
+            </a:fld>
+            <a:endParaRPr lang="en-US"/>
+          </a:p>
+        </p:txBody>
+      </p:sp>
+    </p:spTree>
+    <p:extLst>
+      <p:ext uri="{BB962C8B-B14F-4D97-AF65-F5344CB8AC3E}">
+        <p14:creationId xmlns:p14="http://schemas.microsoft.com/office/powerpoint/2010/main" val="58665180"/>
+      </p:ext>
+    </p:extLst>
+  </p:cSld>
+  <p:clrMapOvr>
+    <a:masterClrMapping/>
+  </p:clrMapOvr>
+</p:notes>
+</file>
+
+<file path=ppt/notesSlides/notesSlide13.xml><?xml version="1.0" encoding="utf-8"?>
+<p:notes xmlns:a="http://schemas.openxmlformats.org/drawingml/2006/main" xmlns:r="http://schemas.openxmlformats.org/officeDocument/2006/relationships" xmlns:p="http://schemas.openxmlformats.org/presentationml/2006/main">
+  <p:cSld>
+    <p:spTree>
+      <p:nvGrpSpPr>
+        <p:cNvPr id="1" name=""/>
+        <p:cNvGrpSpPr/>
+        <p:nvPr/>
+      </p:nvGrpSpPr>
+      <p:grpSpPr>
+        <a:xfrm>
+          <a:off x="0" y="0"/>
+          <a:ext cx="0" cy="0"/>
+          <a:chOff x="0" y="0"/>
+          <a:chExt cx="0" cy="0"/>
+        </a:xfrm>
+      </p:grpSpPr>
+      <p:sp>
+        <p:nvSpPr>
+          <p:cNvPr id="2" name="Slide Image Placeholder 1"/>
+          <p:cNvSpPr>
+            <a:spLocks noGrp="1" noRot="1" noChangeAspect="1"/>
+          </p:cNvSpPr>
+          <p:nvPr>
+            <p:ph type="sldImg"/>
+          </p:nvPr>
+        </p:nvSpPr>
+        <p:spPr/>
+      </p:sp>
+      <p:sp>
+        <p:nvSpPr>
+          <p:cNvPr id="3" name="Notes Placeholder 2"/>
+          <p:cNvSpPr>
+            <a:spLocks noGrp="1"/>
+          </p:cNvSpPr>
+          <p:nvPr>
+            <p:ph type="body" idx="1"/>
+          </p:nvPr>
+        </p:nvSpPr>
+        <p:spPr/>
+        <p:txBody>
+          <a:bodyPr/>
+          <a:lstStyle/>
+          <a:p>
+            <a:r>
+              <a:rPr lang="en-US" dirty="0"/>
+              <a:t>Wrote presentation in an </a:t>
+            </a:r>
+            <a:r>
+              <a:rPr lang="en-US" dirty="0" err="1"/>
+              <a:t>Rmarkdown</a:t>
+            </a:r>
+            <a:r>
+              <a:rPr lang="en-US" dirty="0"/>
+              <a:t> file. This allows for better reproducibility; however, it isn’t nearly as pretty.</a:t>
+            </a:r>
+          </a:p>
+          <a:p>
+            <a:endParaRPr lang="en-US" dirty="0"/>
+          </a:p>
+          <a:p>
+            <a:r>
+              <a:rPr lang="en-US" dirty="0"/>
+              <a:t>You can view/download the markdown file, and all other files involved with this presentation in my get hub Repository at this address</a:t>
+            </a:r>
+          </a:p>
+        </p:txBody>
+      </p:sp>
+      <p:sp>
+        <p:nvSpPr>
+          <p:cNvPr id="4" name="Slide Number Placeholder 3"/>
+          <p:cNvSpPr>
+            <a:spLocks noGrp="1"/>
+          </p:cNvSpPr>
+          <p:nvPr>
+            <p:ph type="sldNum" sz="quarter" idx="5"/>
+          </p:nvPr>
+        </p:nvSpPr>
+        <p:spPr/>
+        <p:txBody>
+          <a:bodyPr/>
+          <a:lstStyle/>
+          <a:p>
+            <a:fld id="{CE36C95E-5F68-4CB4-BD29-BE9447954CDF}" type="slidenum">
+              <a:rPr lang="en-US" smtClean="0"/>
+              <a:t>14</a:t>
+            </a:fld>
+            <a:endParaRPr lang="en-US"/>
+          </a:p>
+        </p:txBody>
+      </p:sp>
+    </p:spTree>
+    <p:extLst>
+      <p:ext uri="{BB962C8B-B14F-4D97-AF65-F5344CB8AC3E}">
+        <p14:creationId xmlns:p14="http://schemas.microsoft.com/office/powerpoint/2010/main" val="211894403"/>
+      </p:ext>
+    </p:extLst>
+  </p:cSld>
+  <p:clrMapOvr>
+    <a:masterClrMapping/>
+  </p:clrMapOvr>
+</p:notes>
+</file>
+
+<file path=ppt/notesSlides/notesSlide2.xml><?xml version="1.0" encoding="utf-8"?>
+<p:notes xmlns:a="http://schemas.openxmlformats.org/drawingml/2006/main" xmlns:r="http://schemas.openxmlformats.org/officeDocument/2006/relationships" xmlns:p="http://schemas.openxmlformats.org/presentationml/2006/main">
+  <p:cSld>
+    <p:spTree>
+      <p:nvGrpSpPr>
+        <p:cNvPr id="1" name=""/>
+        <p:cNvGrpSpPr/>
+        <p:nvPr/>
+      </p:nvGrpSpPr>
+      <p:grpSpPr>
+        <a:xfrm>
+          <a:off x="0" y="0"/>
+          <a:ext cx="0" cy="0"/>
+          <a:chOff x="0" y="0"/>
+          <a:chExt cx="0" cy="0"/>
+        </a:xfrm>
+      </p:grpSpPr>
+      <p:sp>
+        <p:nvSpPr>
+          <p:cNvPr id="2" name="Slide Image Placeholder 1"/>
+          <p:cNvSpPr>
+            <a:spLocks noGrp="1" noRot="1" noChangeAspect="1"/>
+          </p:cNvSpPr>
+          <p:nvPr>
+            <p:ph type="sldImg"/>
+          </p:nvPr>
+        </p:nvSpPr>
+        <p:spPr/>
+      </p:sp>
+      <p:sp>
+        <p:nvSpPr>
+          <p:cNvPr id="3" name="Notes Placeholder 2"/>
+          <p:cNvSpPr>
+            <a:spLocks noGrp="1"/>
+          </p:cNvSpPr>
+          <p:nvPr>
+            <p:ph type="body" idx="1"/>
+          </p:nvPr>
+        </p:nvSpPr>
+        <p:spPr/>
+        <p:txBody>
+          <a:bodyPr/>
+          <a:lstStyle/>
+          <a:p>
+            <a:r>
+              <a:rPr lang="en-US" dirty="0"/>
+              <a:t>The representation appears fairly accurate except for one standout, Native American/Alaskan people are overrepresented by over 3.5%</a:t>
+            </a:r>
+          </a:p>
+        </p:txBody>
+      </p:sp>
+      <p:sp>
+        <p:nvSpPr>
+          <p:cNvPr id="4" name="Slide Number Placeholder 3"/>
+          <p:cNvSpPr>
+            <a:spLocks noGrp="1"/>
+          </p:cNvSpPr>
+          <p:nvPr>
+            <p:ph type="sldNum" sz="quarter" idx="5"/>
+          </p:nvPr>
+        </p:nvSpPr>
+        <p:spPr/>
+        <p:txBody>
+          <a:bodyPr/>
+          <a:lstStyle/>
+          <a:p>
+            <a:fld id="{CE36C95E-5F68-4CB4-BD29-BE9447954CDF}" type="slidenum">
+              <a:rPr lang="en-US" smtClean="0"/>
+              <a:t>3</a:t>
+            </a:fld>
+            <a:endParaRPr lang="en-US"/>
+          </a:p>
+        </p:txBody>
+      </p:sp>
+    </p:spTree>
+    <p:extLst>
+      <p:ext uri="{BB962C8B-B14F-4D97-AF65-F5344CB8AC3E}">
+        <p14:creationId xmlns:p14="http://schemas.microsoft.com/office/powerpoint/2010/main" val="965923055"/>
+      </p:ext>
+    </p:extLst>
+  </p:cSld>
+  <p:clrMapOvr>
+    <a:masterClrMapping/>
+  </p:clrMapOvr>
+</p:notes>
+</file>
+
+<file path=ppt/notesSlides/notesSlide3.xml><?xml version="1.0" encoding="utf-8"?>
+<p:notes xmlns:a="http://schemas.openxmlformats.org/drawingml/2006/main" xmlns:r="http://schemas.openxmlformats.org/officeDocument/2006/relationships" xmlns:p="http://schemas.openxmlformats.org/presentationml/2006/main">
+  <p:cSld>
+    <p:spTree>
+      <p:nvGrpSpPr>
+        <p:cNvPr id="1" name=""/>
+        <p:cNvGrpSpPr/>
+        <p:nvPr/>
+      </p:nvGrpSpPr>
+      <p:grpSpPr>
+        <a:xfrm>
+          <a:off x="0" y="0"/>
+          <a:ext cx="0" cy="0"/>
+          <a:chOff x="0" y="0"/>
+          <a:chExt cx="0" cy="0"/>
+        </a:xfrm>
+      </p:grpSpPr>
+      <p:sp>
+        <p:nvSpPr>
+          <p:cNvPr id="2" name="Slide Image Placeholder 1"/>
+          <p:cNvSpPr>
+            <a:spLocks noGrp="1" noRot="1" noChangeAspect="1"/>
+          </p:cNvSpPr>
+          <p:nvPr>
+            <p:ph type="sldImg"/>
+          </p:nvPr>
+        </p:nvSpPr>
+        <p:spPr/>
+      </p:sp>
+      <p:sp>
+        <p:nvSpPr>
+          <p:cNvPr id="3" name="Notes Placeholder 2"/>
+          <p:cNvSpPr>
+            <a:spLocks noGrp="1"/>
+          </p:cNvSpPr>
+          <p:nvPr>
+            <p:ph type="body" idx="1"/>
+          </p:nvPr>
+        </p:nvSpPr>
+        <p:spPr/>
+        <p:txBody>
+          <a:bodyPr/>
+          <a:lstStyle/>
+          <a:p>
+            <a:r>
+              <a:rPr lang="en-US" dirty="0"/>
+              <a:t>This information can be used to help educate the public of the diversity in our county. It’s important to know the people that make up out community.</a:t>
+            </a:r>
+          </a:p>
+          <a:p>
+            <a:endParaRPr lang="en-US" dirty="0"/>
+          </a:p>
+          <a:p>
+            <a:r>
+              <a:rPr lang="en-US" dirty="0"/>
+              <a:t>(mention college/diversity on campus) diversity compared to CMU</a:t>
+            </a:r>
+          </a:p>
+          <a:p>
+            <a:endParaRPr lang="en-US" dirty="0"/>
+          </a:p>
+          <a:p>
+            <a:r>
+              <a:rPr lang="en-US" dirty="0"/>
+              <a:t>How do we compare to the rest of the state?</a:t>
+            </a:r>
+          </a:p>
+        </p:txBody>
+      </p:sp>
+      <p:sp>
+        <p:nvSpPr>
+          <p:cNvPr id="4" name="Slide Number Placeholder 3"/>
+          <p:cNvSpPr>
+            <a:spLocks noGrp="1"/>
+          </p:cNvSpPr>
+          <p:nvPr>
+            <p:ph type="sldNum" sz="quarter" idx="5"/>
+          </p:nvPr>
+        </p:nvSpPr>
+        <p:spPr/>
+        <p:txBody>
+          <a:bodyPr/>
+          <a:lstStyle/>
+          <a:p>
+            <a:fld id="{CE36C95E-5F68-4CB4-BD29-BE9447954CDF}" type="slidenum">
+              <a:rPr lang="en-US" smtClean="0"/>
+              <a:t>4</a:t>
+            </a:fld>
+            <a:endParaRPr lang="en-US"/>
+          </a:p>
+        </p:txBody>
+      </p:sp>
+    </p:spTree>
+    <p:extLst>
+      <p:ext uri="{BB962C8B-B14F-4D97-AF65-F5344CB8AC3E}">
+        <p14:creationId xmlns:p14="http://schemas.microsoft.com/office/powerpoint/2010/main" val="826042337"/>
+      </p:ext>
+    </p:extLst>
+  </p:cSld>
+  <p:clrMapOvr>
+    <a:masterClrMapping/>
+  </p:clrMapOvr>
+</p:notes>
+</file>
+
+<file path=ppt/notesSlides/notesSlide4.xml><?xml version="1.0" encoding="utf-8"?>
+<p:notes xmlns:a="http://schemas.openxmlformats.org/drawingml/2006/main" xmlns:r="http://schemas.openxmlformats.org/officeDocument/2006/relationships" xmlns:p="http://schemas.openxmlformats.org/presentationml/2006/main">
+  <p:cSld>
+    <p:spTree>
+      <p:nvGrpSpPr>
+        <p:cNvPr id="1" name=""/>
+        <p:cNvGrpSpPr/>
+        <p:nvPr/>
+      </p:nvGrpSpPr>
+      <p:grpSpPr>
+        <a:xfrm>
+          <a:off x="0" y="0"/>
+          <a:ext cx="0" cy="0"/>
+          <a:chOff x="0" y="0"/>
+          <a:chExt cx="0" cy="0"/>
+        </a:xfrm>
+      </p:grpSpPr>
+      <p:sp>
+        <p:nvSpPr>
+          <p:cNvPr id="2" name="Slide Image Placeholder 1"/>
+          <p:cNvSpPr>
+            <a:spLocks noGrp="1" noRot="1" noChangeAspect="1"/>
+          </p:cNvSpPr>
+          <p:nvPr>
+            <p:ph type="sldImg"/>
+          </p:nvPr>
+        </p:nvSpPr>
+        <p:spPr/>
+      </p:sp>
+      <p:sp>
+        <p:nvSpPr>
+          <p:cNvPr id="3" name="Notes Placeholder 2"/>
+          <p:cNvSpPr>
+            <a:spLocks noGrp="1"/>
+          </p:cNvSpPr>
+          <p:nvPr>
+            <p:ph type="body" idx="1"/>
+          </p:nvPr>
+        </p:nvSpPr>
+        <p:spPr/>
+        <p:txBody>
+          <a:bodyPr/>
+          <a:lstStyle/>
+          <a:p>
+            <a:r>
+              <a:rPr lang="en-US" dirty="0"/>
+              <a:t>Next observation we’ll be looking as is  the relationship between Loneliness and Social Conflict</a:t>
+            </a:r>
+          </a:p>
+          <a:p>
+            <a:endParaRPr lang="en-US" dirty="0"/>
+          </a:p>
+          <a:p>
+            <a:r>
+              <a:rPr lang="en-US" dirty="0"/>
+              <a:t>Loneliness measured on a scale 1-4</a:t>
+            </a:r>
+          </a:p>
+          <a:p>
+            <a:endParaRPr lang="en-US" dirty="0"/>
+          </a:p>
+          <a:p>
+            <a:r>
+              <a:rPr lang="en-US" dirty="0"/>
+              <a:t>Social Conflict is based on the sum of all 4 Core need Safety questions</a:t>
+            </a:r>
+          </a:p>
+        </p:txBody>
+      </p:sp>
+      <p:sp>
+        <p:nvSpPr>
+          <p:cNvPr id="4" name="Slide Number Placeholder 3"/>
+          <p:cNvSpPr>
+            <a:spLocks noGrp="1"/>
+          </p:cNvSpPr>
+          <p:nvPr>
+            <p:ph type="sldNum" sz="quarter" idx="5"/>
+          </p:nvPr>
+        </p:nvSpPr>
+        <p:spPr/>
+        <p:txBody>
+          <a:bodyPr/>
+          <a:lstStyle/>
+          <a:p>
+            <a:fld id="{CE36C95E-5F68-4CB4-BD29-BE9447954CDF}" type="slidenum">
+              <a:rPr lang="en-US" smtClean="0"/>
+              <a:t>5</a:t>
+            </a:fld>
+            <a:endParaRPr lang="en-US"/>
+          </a:p>
+        </p:txBody>
+      </p:sp>
+    </p:spTree>
+    <p:extLst>
+      <p:ext uri="{BB962C8B-B14F-4D97-AF65-F5344CB8AC3E}">
+        <p14:creationId xmlns:p14="http://schemas.microsoft.com/office/powerpoint/2010/main" val="183796352"/>
+      </p:ext>
+    </p:extLst>
+  </p:cSld>
+  <p:clrMapOvr>
+    <a:masterClrMapping/>
+  </p:clrMapOvr>
+</p:notes>
+</file>
+
+<file path=ppt/notesSlides/notesSlide5.xml><?xml version="1.0" encoding="utf-8"?>
+<p:notes xmlns:a="http://schemas.openxmlformats.org/drawingml/2006/main" xmlns:r="http://schemas.openxmlformats.org/officeDocument/2006/relationships" xmlns:p="http://schemas.openxmlformats.org/presentationml/2006/main">
+  <p:cSld>
+    <p:spTree>
+      <p:nvGrpSpPr>
+        <p:cNvPr id="1" name=""/>
+        <p:cNvGrpSpPr/>
+        <p:nvPr/>
+      </p:nvGrpSpPr>
+      <p:grpSpPr>
+        <a:xfrm>
+          <a:off x="0" y="0"/>
+          <a:ext cx="0" cy="0"/>
+          <a:chOff x="0" y="0"/>
+          <a:chExt cx="0" cy="0"/>
+        </a:xfrm>
+      </p:grpSpPr>
+      <p:sp>
+        <p:nvSpPr>
+          <p:cNvPr id="2" name="Slide Image Placeholder 1"/>
+          <p:cNvSpPr>
+            <a:spLocks noGrp="1" noRot="1" noChangeAspect="1"/>
+          </p:cNvSpPr>
+          <p:nvPr>
+            <p:ph type="sldImg"/>
+          </p:nvPr>
+        </p:nvSpPr>
+        <p:spPr/>
+      </p:sp>
+      <p:sp>
+        <p:nvSpPr>
+          <p:cNvPr id="3" name="Notes Placeholder 2"/>
+          <p:cNvSpPr>
+            <a:spLocks noGrp="1"/>
+          </p:cNvSpPr>
+          <p:nvPr>
+            <p:ph type="body" idx="1"/>
+          </p:nvPr>
+        </p:nvSpPr>
+        <p:spPr/>
+        <p:txBody>
+          <a:bodyPr/>
+          <a:lstStyle/>
+          <a:p>
+            <a:r>
+              <a:rPr lang="en-US" dirty="0"/>
+              <a:t>Loneliness trends upward for all ages, when confronted with more social conflict. </a:t>
+            </a:r>
+          </a:p>
+          <a:p>
+            <a:endParaRPr lang="en-US" dirty="0"/>
+          </a:p>
+          <a:p>
+            <a:r>
+              <a:rPr lang="en-US" dirty="0"/>
+              <a:t>Women report even higher than men</a:t>
+            </a:r>
+          </a:p>
+        </p:txBody>
+      </p:sp>
+      <p:sp>
+        <p:nvSpPr>
+          <p:cNvPr id="4" name="Slide Number Placeholder 3"/>
+          <p:cNvSpPr>
+            <a:spLocks noGrp="1"/>
+          </p:cNvSpPr>
+          <p:nvPr>
+            <p:ph type="sldNum" sz="quarter" idx="5"/>
+          </p:nvPr>
+        </p:nvSpPr>
+        <p:spPr/>
+        <p:txBody>
+          <a:bodyPr/>
+          <a:lstStyle/>
+          <a:p>
+            <a:fld id="{CE36C95E-5F68-4CB4-BD29-BE9447954CDF}" type="slidenum">
+              <a:rPr lang="en-US" smtClean="0"/>
+              <a:t>6</a:t>
+            </a:fld>
+            <a:endParaRPr lang="en-US"/>
+          </a:p>
+        </p:txBody>
+      </p:sp>
+    </p:spTree>
+    <p:extLst>
+      <p:ext uri="{BB962C8B-B14F-4D97-AF65-F5344CB8AC3E}">
+        <p14:creationId xmlns:p14="http://schemas.microsoft.com/office/powerpoint/2010/main" val="202399348"/>
+      </p:ext>
+    </p:extLst>
+  </p:cSld>
+  <p:clrMapOvr>
+    <a:masterClrMapping/>
+  </p:clrMapOvr>
+</p:notes>
+</file>
+
+<file path=ppt/notesSlides/notesSlide6.xml><?xml version="1.0" encoding="utf-8"?>
+<p:notes xmlns:a="http://schemas.openxmlformats.org/drawingml/2006/main" xmlns:r="http://schemas.openxmlformats.org/officeDocument/2006/relationships" xmlns:p="http://schemas.openxmlformats.org/presentationml/2006/main">
+  <p:cSld>
+    <p:spTree>
+      <p:nvGrpSpPr>
+        <p:cNvPr id="1" name=""/>
+        <p:cNvGrpSpPr/>
+        <p:nvPr/>
+      </p:nvGrpSpPr>
+      <p:grpSpPr>
+        <a:xfrm>
+          <a:off x="0" y="0"/>
+          <a:ext cx="0" cy="0"/>
+          <a:chOff x="0" y="0"/>
+          <a:chExt cx="0" cy="0"/>
+        </a:xfrm>
+      </p:grpSpPr>
+      <p:sp>
+        <p:nvSpPr>
+          <p:cNvPr id="2" name="Slide Image Placeholder 1"/>
+          <p:cNvSpPr>
+            <a:spLocks noGrp="1" noRot="1" noChangeAspect="1"/>
+          </p:cNvSpPr>
+          <p:nvPr>
+            <p:ph type="sldImg"/>
+          </p:nvPr>
+        </p:nvSpPr>
+        <p:spPr/>
+      </p:sp>
+      <p:sp>
+        <p:nvSpPr>
+          <p:cNvPr id="3" name="Notes Placeholder 2"/>
+          <p:cNvSpPr>
+            <a:spLocks noGrp="1"/>
+          </p:cNvSpPr>
+          <p:nvPr>
+            <p:ph type="body" idx="1"/>
+          </p:nvPr>
+        </p:nvSpPr>
+        <p:spPr/>
+        <p:txBody>
+          <a:bodyPr/>
+          <a:lstStyle/>
+          <a:p>
+            <a:r>
+              <a:rPr lang="en-US" dirty="0"/>
+              <a:t>In the same chart for children we can see a similar trend</a:t>
+            </a:r>
+          </a:p>
+          <a:p>
+            <a:endParaRPr lang="en-US" dirty="0"/>
+          </a:p>
+          <a:p>
+            <a:r>
+              <a:rPr lang="en-US" dirty="0"/>
+              <a:t>However, the data pool is much smaller for children reporting this statistic. So more data may be required to get an accurate measurement</a:t>
+            </a:r>
+          </a:p>
+        </p:txBody>
+      </p:sp>
+      <p:sp>
+        <p:nvSpPr>
+          <p:cNvPr id="4" name="Slide Number Placeholder 3"/>
+          <p:cNvSpPr>
+            <a:spLocks noGrp="1"/>
+          </p:cNvSpPr>
+          <p:nvPr>
+            <p:ph type="sldNum" sz="quarter" idx="5"/>
+          </p:nvPr>
+        </p:nvSpPr>
+        <p:spPr/>
+        <p:txBody>
+          <a:bodyPr/>
+          <a:lstStyle/>
+          <a:p>
+            <a:fld id="{CE36C95E-5F68-4CB4-BD29-BE9447954CDF}" type="slidenum">
+              <a:rPr lang="en-US" smtClean="0"/>
+              <a:t>7</a:t>
+            </a:fld>
+            <a:endParaRPr lang="en-US"/>
+          </a:p>
+        </p:txBody>
+      </p:sp>
+    </p:spTree>
+    <p:extLst>
+      <p:ext uri="{BB962C8B-B14F-4D97-AF65-F5344CB8AC3E}">
+        <p14:creationId xmlns:p14="http://schemas.microsoft.com/office/powerpoint/2010/main" val="115075257"/>
+      </p:ext>
+    </p:extLst>
+  </p:cSld>
+  <p:clrMapOvr>
+    <a:masterClrMapping/>
+  </p:clrMapOvr>
+</p:notes>
+</file>
+
+<file path=ppt/notesSlides/notesSlide7.xml><?xml version="1.0" encoding="utf-8"?>
+<p:notes xmlns:a="http://schemas.openxmlformats.org/drawingml/2006/main" xmlns:r="http://schemas.openxmlformats.org/officeDocument/2006/relationships" xmlns:p="http://schemas.openxmlformats.org/presentationml/2006/main">
+  <p:cSld>
+    <p:spTree>
+      <p:nvGrpSpPr>
+        <p:cNvPr id="1" name=""/>
+        <p:cNvGrpSpPr/>
+        <p:nvPr/>
+      </p:nvGrpSpPr>
+      <p:grpSpPr>
+        <a:xfrm>
+          <a:off x="0" y="0"/>
+          <a:ext cx="0" cy="0"/>
+          <a:chOff x="0" y="0"/>
+          <a:chExt cx="0" cy="0"/>
+        </a:xfrm>
+      </p:grpSpPr>
+      <p:sp>
+        <p:nvSpPr>
+          <p:cNvPr id="2" name="Slide Image Placeholder 1"/>
+          <p:cNvSpPr>
+            <a:spLocks noGrp="1" noRot="1" noChangeAspect="1"/>
+          </p:cNvSpPr>
+          <p:nvPr>
+            <p:ph type="sldImg"/>
+          </p:nvPr>
+        </p:nvSpPr>
+        <p:spPr/>
+      </p:sp>
+      <p:sp>
+        <p:nvSpPr>
+          <p:cNvPr id="3" name="Notes Placeholder 2"/>
+          <p:cNvSpPr>
+            <a:spLocks noGrp="1"/>
+          </p:cNvSpPr>
+          <p:nvPr>
+            <p:ph type="body" idx="1"/>
+          </p:nvPr>
+        </p:nvSpPr>
+        <p:spPr/>
+        <p:txBody>
+          <a:bodyPr/>
+          <a:lstStyle/>
+          <a:p>
+            <a:r>
+              <a:rPr lang="en-US" dirty="0"/>
+              <a:t>If I continued, I would be interested in finding the relationship between Loneliness and mental health within an individual</a:t>
+            </a:r>
+          </a:p>
+          <a:p>
+            <a:r>
+              <a:rPr lang="en-US" dirty="0"/>
+              <a:t>]</a:t>
+            </a:r>
+          </a:p>
+          <a:p>
+            <a:r>
+              <a:rPr lang="en-US" dirty="0"/>
+              <a:t>These </a:t>
+            </a:r>
+            <a:r>
+              <a:rPr lang="en-US" dirty="0" err="1"/>
+              <a:t>measuremnets</a:t>
+            </a:r>
+            <a:r>
+              <a:rPr lang="en-US" dirty="0"/>
+              <a:t> might be able to </a:t>
+            </a:r>
+            <a:r>
+              <a:rPr lang="en-US" dirty="0" err="1"/>
+              <a:t>hel;p</a:t>
+            </a:r>
+            <a:r>
+              <a:rPr lang="en-US" dirty="0"/>
+              <a:t> better recognize how social conflict affects mental health</a:t>
+            </a:r>
+          </a:p>
+          <a:p>
+            <a:endParaRPr lang="en-US" dirty="0"/>
+          </a:p>
+          <a:p>
+            <a:r>
+              <a:rPr lang="en-US" dirty="0"/>
+              <a:t>Could a machine learning model be applied to predict loneliness in an individual? That be useful for examining the public health</a:t>
+            </a:r>
+          </a:p>
+        </p:txBody>
+      </p:sp>
+      <p:sp>
+        <p:nvSpPr>
+          <p:cNvPr id="4" name="Slide Number Placeholder 3"/>
+          <p:cNvSpPr>
+            <a:spLocks noGrp="1"/>
+          </p:cNvSpPr>
+          <p:nvPr>
+            <p:ph type="sldNum" sz="quarter" idx="5"/>
+          </p:nvPr>
+        </p:nvSpPr>
+        <p:spPr/>
+        <p:txBody>
+          <a:bodyPr/>
+          <a:lstStyle/>
+          <a:p>
+            <a:fld id="{CE36C95E-5F68-4CB4-BD29-BE9447954CDF}" type="slidenum">
+              <a:rPr lang="en-US" smtClean="0"/>
+              <a:t>8</a:t>
+            </a:fld>
+            <a:endParaRPr lang="en-US"/>
+          </a:p>
+        </p:txBody>
+      </p:sp>
+    </p:spTree>
+    <p:extLst>
+      <p:ext uri="{BB962C8B-B14F-4D97-AF65-F5344CB8AC3E}">
+        <p14:creationId xmlns:p14="http://schemas.microsoft.com/office/powerpoint/2010/main" val="1652558345"/>
+      </p:ext>
+    </p:extLst>
+  </p:cSld>
+  <p:clrMapOvr>
+    <a:masterClrMapping/>
+  </p:clrMapOvr>
+</p:notes>
+</file>
+
+<file path=ppt/notesSlides/notesSlide8.xml><?xml version="1.0" encoding="utf-8"?>
+<p:notes xmlns:a="http://schemas.openxmlformats.org/drawingml/2006/main" xmlns:r="http://schemas.openxmlformats.org/officeDocument/2006/relationships" xmlns:p="http://schemas.openxmlformats.org/presentationml/2006/main">
+  <p:cSld>
+    <p:spTree>
+      <p:nvGrpSpPr>
+        <p:cNvPr id="1" name=""/>
+        <p:cNvGrpSpPr/>
+        <p:nvPr/>
+      </p:nvGrpSpPr>
+      <p:grpSpPr>
+        <a:xfrm>
+          <a:off x="0" y="0"/>
+          <a:ext cx="0" cy="0"/>
+          <a:chOff x="0" y="0"/>
+          <a:chExt cx="0" cy="0"/>
+        </a:xfrm>
+      </p:grpSpPr>
+      <p:sp>
+        <p:nvSpPr>
+          <p:cNvPr id="2" name="Slide Image Placeholder 1"/>
+          <p:cNvSpPr>
+            <a:spLocks noGrp="1" noRot="1" noChangeAspect="1"/>
+          </p:cNvSpPr>
+          <p:nvPr>
+            <p:ph type="sldImg"/>
+          </p:nvPr>
+        </p:nvSpPr>
+        <p:spPr/>
+      </p:sp>
+      <p:sp>
+        <p:nvSpPr>
+          <p:cNvPr id="3" name="Notes Placeholder 2"/>
+          <p:cNvSpPr>
+            <a:spLocks noGrp="1"/>
+          </p:cNvSpPr>
+          <p:nvPr>
+            <p:ph type="body" idx="1"/>
+          </p:nvPr>
+        </p:nvSpPr>
+        <p:spPr/>
+        <p:txBody>
+          <a:bodyPr/>
+          <a:lstStyle/>
+          <a:p>
+            <a:r>
+              <a:rPr lang="en-US" dirty="0"/>
+              <a:t>Income measures as low as $10K to more than 75K</a:t>
+            </a:r>
+          </a:p>
+          <a:p>
+            <a:endParaRPr lang="en-US" dirty="0"/>
+          </a:p>
+          <a:p>
+            <a:r>
+              <a:rPr lang="en-US" dirty="0"/>
+              <a:t>Household danger measured by the sum of all Core Need Living Situations Questions</a:t>
+            </a:r>
+          </a:p>
+        </p:txBody>
+      </p:sp>
+      <p:sp>
+        <p:nvSpPr>
+          <p:cNvPr id="4" name="Slide Number Placeholder 3"/>
+          <p:cNvSpPr>
+            <a:spLocks noGrp="1"/>
+          </p:cNvSpPr>
+          <p:nvPr>
+            <p:ph type="sldNum" sz="quarter" idx="5"/>
+          </p:nvPr>
+        </p:nvSpPr>
+        <p:spPr/>
+        <p:txBody>
+          <a:bodyPr/>
+          <a:lstStyle/>
+          <a:p>
+            <a:fld id="{CE36C95E-5F68-4CB4-BD29-BE9447954CDF}" type="slidenum">
+              <a:rPr lang="en-US" smtClean="0"/>
+              <a:t>9</a:t>
+            </a:fld>
+            <a:endParaRPr lang="en-US"/>
+          </a:p>
+        </p:txBody>
+      </p:sp>
+    </p:spTree>
+    <p:extLst>
+      <p:ext uri="{BB962C8B-B14F-4D97-AF65-F5344CB8AC3E}">
+        <p14:creationId xmlns:p14="http://schemas.microsoft.com/office/powerpoint/2010/main" val="807693855"/>
+      </p:ext>
+    </p:extLst>
+  </p:cSld>
+  <p:clrMapOvr>
+    <a:masterClrMapping/>
+  </p:clrMapOvr>
+</p:notes>
+</file>
+
+<file path=ppt/notesSlides/notesSlide9.xml><?xml version="1.0" encoding="utf-8"?>
+<p:notes xmlns:a="http://schemas.openxmlformats.org/drawingml/2006/main" xmlns:r="http://schemas.openxmlformats.org/officeDocument/2006/relationships" xmlns:p="http://schemas.openxmlformats.org/presentationml/2006/main">
+  <p:cSld>
+    <p:spTree>
+      <p:nvGrpSpPr>
+        <p:cNvPr id="1" name=""/>
+        <p:cNvGrpSpPr/>
+        <p:nvPr/>
+      </p:nvGrpSpPr>
+      <p:grpSpPr>
+        <a:xfrm>
+          <a:off x="0" y="0"/>
+          <a:ext cx="0" cy="0"/>
+          <a:chOff x="0" y="0"/>
+          <a:chExt cx="0" cy="0"/>
+        </a:xfrm>
+      </p:grpSpPr>
+      <p:sp>
+        <p:nvSpPr>
+          <p:cNvPr id="2" name="Slide Image Placeholder 1"/>
+          <p:cNvSpPr>
+            <a:spLocks noGrp="1" noRot="1" noChangeAspect="1"/>
+          </p:cNvSpPr>
+          <p:nvPr>
+            <p:ph type="sldImg"/>
+          </p:nvPr>
+        </p:nvSpPr>
+        <p:spPr/>
+      </p:sp>
+      <p:sp>
+        <p:nvSpPr>
+          <p:cNvPr id="3" name="Notes Placeholder 2"/>
+          <p:cNvSpPr>
+            <a:spLocks noGrp="1"/>
+          </p:cNvSpPr>
+          <p:nvPr>
+            <p:ph type="body" idx="1"/>
+          </p:nvPr>
+        </p:nvSpPr>
+        <p:spPr/>
+        <p:txBody>
+          <a:bodyPr/>
+          <a:lstStyle/>
+          <a:p>
+            <a:r>
+              <a:rPr lang="en-US" dirty="0"/>
+              <a:t>You can tell from this chart, there is an obvious inverse relationship between these two variables</a:t>
+            </a:r>
+          </a:p>
+          <a:p>
+            <a:endParaRPr lang="en-US" dirty="0"/>
+          </a:p>
+          <a:p>
+            <a:r>
+              <a:rPr lang="en-US" dirty="0"/>
+              <a:t>This may be intuitive because less money creates less support to provide for basic needs</a:t>
+            </a:r>
+          </a:p>
+        </p:txBody>
+      </p:sp>
+      <p:sp>
+        <p:nvSpPr>
+          <p:cNvPr id="4" name="Slide Number Placeholder 3"/>
+          <p:cNvSpPr>
+            <a:spLocks noGrp="1"/>
+          </p:cNvSpPr>
+          <p:nvPr>
+            <p:ph type="sldNum" sz="quarter" idx="5"/>
+          </p:nvPr>
+        </p:nvSpPr>
+        <p:spPr/>
+        <p:txBody>
+          <a:bodyPr/>
+          <a:lstStyle/>
+          <a:p>
+            <a:fld id="{CE36C95E-5F68-4CB4-BD29-BE9447954CDF}" type="slidenum">
+              <a:rPr lang="en-US" smtClean="0"/>
+              <a:t>10</a:t>
+            </a:fld>
+            <a:endParaRPr lang="en-US"/>
+          </a:p>
+        </p:txBody>
+      </p:sp>
+    </p:spTree>
+    <p:extLst>
+      <p:ext uri="{BB962C8B-B14F-4D97-AF65-F5344CB8AC3E}">
+        <p14:creationId xmlns:p14="http://schemas.microsoft.com/office/powerpoint/2010/main" val="127201874"/>
+      </p:ext>
+    </p:extLst>
+  </p:cSld>
+  <p:clrMapOvr>
+    <a:masterClrMapping/>
+  </p:clrMapOvr>
+</p:notes>
 </file>
 
 <file path=ppt/slideLayouts/slideLayout1.xml><?xml version="1.0" encoding="utf-8"?>
@@ -4007,7 +5300,7 @@
           <p:nvPr/>
         </p:nvPicPr>
         <p:blipFill>
-          <a:blip r:embed="rId2">
+          <a:blip r:embed="rId3">
             <a:extLst>
               <a:ext uri="{28A0092B-C50C-407E-A947-70E740481C1C}">
                 <a14:useLocalDpi xmlns:a14="http://schemas.microsoft.com/office/drawing/2010/main" val="0"/>
@@ -4250,7 +5543,7 @@
           <p:nvPr/>
         </p:nvPicPr>
         <p:blipFill>
-          <a:blip r:embed="rId2">
+          <a:blip r:embed="rId3">
             <a:extLst>
               <a:ext uri="{28A0092B-C50C-407E-A947-70E740481C1C}">
                 <a14:useLocalDpi xmlns:a14="http://schemas.microsoft.com/office/drawing/2010/main" val="0"/>
@@ -5406,15 +6699,23 @@
           </a:xfrm>
         </p:spPr>
         <p:txBody>
-          <a:bodyPr/>
-          <a:lstStyle/>
-          <a:p>
+          <a:bodyPr>
+            <a:normAutofit/>
+          </a:bodyPr>
+          <a:lstStyle/>
+          <a:p>
+            <a:pPr marL="342900" indent="-342900">
+              <a:buAutoNum type="arabicPeriod"/>
+            </a:pPr>
             <a:r>
               <a:rPr lang="en-US" dirty="0"/>
               <a:t>Representation of Race Survey vs. County.</a:t>
             </a:r>
           </a:p>
           <a:p>
+            <a:pPr marL="342900" indent="-342900">
+              <a:buAutoNum type="arabicPeriod"/>
+            </a:pPr>
             <a:r>
               <a:rPr lang="en-US" dirty="0"/>
               <a:t>Loneliness vs. Social Conflict:</a:t>
@@ -5435,16 +6736,36 @@
             </a:r>
           </a:p>
           <a:p>
+            <a:pPr marL="342900" indent="-342900">
+              <a:buFont typeface="Arial" panose="020B0604020202020204" pitchFamily="34" charset="0"/>
+              <a:buAutoNum type="arabicPeriod"/>
+            </a:pPr>
             <a:r>
               <a:rPr lang="en-US" dirty="0"/>
               <a:t>Household Income vs. Household Danger.</a:t>
             </a:r>
           </a:p>
           <a:p>
+            <a:pPr marL="342900" indent="-342900">
+              <a:buFont typeface="Arial" panose="020B0604020202020204" pitchFamily="34" charset="0"/>
+              <a:buAutoNum type="arabicPeriod"/>
+            </a:pPr>
             <a:r>
               <a:rPr lang="en-US" dirty="0"/>
               <a:t>Household Income vs. Social Conflict.</a:t>
             </a:r>
+          </a:p>
+          <a:p>
+            <a:pPr marL="342900" indent="-342900">
+              <a:buAutoNum type="arabicPeriod"/>
+            </a:pPr>
+            <a:endParaRPr lang="en-US" dirty="0"/>
+          </a:p>
+          <a:p>
+            <a:pPr marL="0" indent="0">
+              <a:buNone/>
+            </a:pPr>
+            <a:endParaRPr lang="en-US" dirty="0"/>
           </a:p>
         </p:txBody>
       </p:sp>
@@ -7132,7 +8453,7 @@
           <a:p>
             <a:r>
               <a:rPr lang="en-US" dirty="0"/>
-              <a:t>Social Conflict is measured out of a total of 16 by adding all of the </a:t>
+              <a:t>Social Conflict is measured out of a total of 16 by adding all the </a:t>
             </a:r>
             <a:r>
               <a:rPr lang="en-US" u="sng" dirty="0"/>
@@ -7456,7 +8777,7 @@
           <p:nvPr/>
         </p:nvPicPr>
         <p:blipFill>
-          <a:blip r:embed="rId2">
+          <a:blip r:embed="rId3">
             <a:extLst>
               <a:ext uri="{28A0092B-C50C-407E-A947-70E740481C1C}">
                 <a14:useLocalDpi xmlns:a14="http://schemas.microsoft.com/office/drawing/2010/main" val="0"/>
@@ -7698,7 +9019,7 @@
           <p:nvPr/>
         </p:nvPicPr>
         <p:blipFill>
-          <a:blip r:embed="rId2">
+          <a:blip r:embed="rId3">
             <a:extLst>
               <a:ext uri="{28A0092B-C50C-407E-A947-70E740481C1C}">
                 <a14:useLocalDpi xmlns:a14="http://schemas.microsoft.com/office/drawing/2010/main" val="0"/>
@@ -8234,7 +9555,7 @@
           <a:p>
             <a:r>
               <a:rPr lang="en-US" dirty="0"/>
-              <a:t>Do you have problems with…? [1] Yes, [2] No, [7] Total</a:t>
+              <a:t>Do you have problems with…? [0] No, [1] Yes, [7] Total</a:t>
             </a:r>
           </a:p>
           <a:p>
